--- a/presentations/DH_2019/EndingsPanelPresentation.pptx
+++ b/presentations/DH_2019/EndingsPanelPresentation.pptx
@@ -4,11 +4,14 @@
   <p:sldMasterIdLst>
     <p:sldMasterId id="2147483648" r:id="rId1"/>
   </p:sldMasterIdLst>
+  <p:notesMasterIdLst>
+    <p:notesMasterId r:id="rId13"/>
+  </p:notesMasterIdLst>
   <p:sldIdLst>
     <p:sldId id="256" r:id="rId2"/>
     <p:sldId id="257" r:id="rId3"/>
     <p:sldId id="267" r:id="rId4"/>
-    <p:sldId id="266" r:id="rId5"/>
+    <p:sldId id="269" r:id="rId5"/>
     <p:sldId id="261" r:id="rId6"/>
     <p:sldId id="258" r:id="rId7"/>
     <p:sldId id="259" r:id="rId8"/>
@@ -16,8 +19,6 @@
     <p:sldId id="263" r:id="rId10"/>
     <p:sldId id="260" r:id="rId11"/>
     <p:sldId id="268" r:id="rId12"/>
-    <p:sldId id="265" r:id="rId13"/>
-    <p:sldId id="264" r:id="rId14"/>
   </p:sldIdLst>
   <p:sldSz cx="12192000" cy="6858000"/>
   <p:notesSz cx="6858000" cy="9144000"/>
@@ -116,7 +117,503 @@
       </a:defRPr>
     </a:lvl9pPr>
   </p:defaultTextStyle>
+  <p:extLst>
+    <p:ext uri="{EFAFB233-063F-42B5-8137-9DF3F51BA10A}">
+      <p15:sldGuideLst xmlns:p15="http://schemas.microsoft.com/office/powerpoint/2012/main"/>
+    </p:ext>
+  </p:extLst>
 </p:presentation>
+</file>
+
+<file path=ppt/notesMasters/notesMaster1.xml><?xml version="1.0" encoding="utf-8"?>
+<p:notesMaster xmlns:a="http://schemas.openxmlformats.org/drawingml/2006/main" xmlns:r="http://schemas.openxmlformats.org/officeDocument/2006/relationships" xmlns:p="http://schemas.openxmlformats.org/presentationml/2006/main">
+  <p:cSld>
+    <p:bg>
+      <p:bgRef idx="1001">
+        <a:schemeClr val="bg1"/>
+      </p:bgRef>
+    </p:bg>
+    <p:spTree>
+      <p:nvGrpSpPr>
+        <p:cNvPr id="1" name=""/>
+        <p:cNvGrpSpPr/>
+        <p:nvPr/>
+      </p:nvGrpSpPr>
+      <p:grpSpPr>
+        <a:xfrm>
+          <a:off x="0" y="0"/>
+          <a:ext cx="0" cy="0"/>
+          <a:chOff x="0" y="0"/>
+          <a:chExt cx="0" cy="0"/>
+        </a:xfrm>
+      </p:grpSpPr>
+      <p:sp>
+        <p:nvSpPr>
+          <p:cNvPr id="2" name="Header Placeholder 1"/>
+          <p:cNvSpPr>
+            <a:spLocks noGrp="1"/>
+          </p:cNvSpPr>
+          <p:nvPr>
+            <p:ph type="hdr" sz="quarter"/>
+          </p:nvPr>
+        </p:nvSpPr>
+        <p:spPr>
+          <a:xfrm>
+            <a:off x="0" y="0"/>
+            <a:ext cx="2971800" cy="458788"/>
+          </a:xfrm>
+          <a:prstGeom prst="rect">
+            <a:avLst/>
+          </a:prstGeom>
+        </p:spPr>
+        <p:txBody>
+          <a:bodyPr vert="horz" lIns="91440" tIns="45720" rIns="91440" bIns="45720" rtlCol="0"/>
+          <a:lstStyle>
+            <a:lvl1pPr algn="l">
+              <a:defRPr sz="1200"/>
+            </a:lvl1pPr>
+          </a:lstStyle>
+          <a:p>
+            <a:endParaRPr lang="en-US"/>
+          </a:p>
+        </p:txBody>
+      </p:sp>
+      <p:sp>
+        <p:nvSpPr>
+          <p:cNvPr id="3" name="Date Placeholder 2"/>
+          <p:cNvSpPr>
+            <a:spLocks noGrp="1"/>
+          </p:cNvSpPr>
+          <p:nvPr>
+            <p:ph type="dt" idx="1"/>
+          </p:nvPr>
+        </p:nvSpPr>
+        <p:spPr>
+          <a:xfrm>
+            <a:off x="3884613" y="0"/>
+            <a:ext cx="2971800" cy="458788"/>
+          </a:xfrm>
+          <a:prstGeom prst="rect">
+            <a:avLst/>
+          </a:prstGeom>
+        </p:spPr>
+        <p:txBody>
+          <a:bodyPr vert="horz" lIns="91440" tIns="45720" rIns="91440" bIns="45720" rtlCol="0"/>
+          <a:lstStyle>
+            <a:lvl1pPr algn="r">
+              <a:defRPr sz="1200"/>
+            </a:lvl1pPr>
+          </a:lstStyle>
+          <a:p>
+            <a:fld id="{B5D65FB0-97C0-9D4D-8BD0-AE2E092EC060}" type="datetimeFigureOut">
+              <a:rPr lang="en-US" smtClean="0"/>
+              <a:t>6/24/19</a:t>
+            </a:fld>
+            <a:endParaRPr lang="en-US"/>
+          </a:p>
+        </p:txBody>
+      </p:sp>
+      <p:sp>
+        <p:nvSpPr>
+          <p:cNvPr id="4" name="Slide Image Placeholder 3"/>
+          <p:cNvSpPr>
+            <a:spLocks noGrp="1" noRot="1" noChangeAspect="1"/>
+          </p:cNvSpPr>
+          <p:nvPr>
+            <p:ph type="sldImg" idx="2"/>
+          </p:nvPr>
+        </p:nvSpPr>
+        <p:spPr>
+          <a:xfrm>
+            <a:off x="685800" y="1143000"/>
+            <a:ext cx="5486400" cy="3086100"/>
+          </a:xfrm>
+          <a:prstGeom prst="rect">
+            <a:avLst/>
+          </a:prstGeom>
+          <a:noFill/>
+          <a:ln w="12700">
+            <a:solidFill>
+              <a:prstClr val="black"/>
+            </a:solidFill>
+          </a:ln>
+        </p:spPr>
+        <p:txBody>
+          <a:bodyPr vert="horz" lIns="91440" tIns="45720" rIns="91440" bIns="45720" rtlCol="0" anchor="ctr"/>
+          <a:lstStyle/>
+          <a:p>
+            <a:endParaRPr lang="en-US"/>
+          </a:p>
+        </p:txBody>
+      </p:sp>
+      <p:sp>
+        <p:nvSpPr>
+          <p:cNvPr id="5" name="Notes Placeholder 4"/>
+          <p:cNvSpPr>
+            <a:spLocks noGrp="1"/>
+          </p:cNvSpPr>
+          <p:nvPr>
+            <p:ph type="body" sz="quarter" idx="3"/>
+          </p:nvPr>
+        </p:nvSpPr>
+        <p:spPr>
+          <a:xfrm>
+            <a:off x="685800" y="4400550"/>
+            <a:ext cx="5486400" cy="3600450"/>
+          </a:xfrm>
+          <a:prstGeom prst="rect">
+            <a:avLst/>
+          </a:prstGeom>
+        </p:spPr>
+        <p:txBody>
+          <a:bodyPr vert="horz" lIns="91440" tIns="45720" rIns="91440" bIns="45720" rtlCol="0"/>
+          <a:lstStyle/>
+          <a:p>
+            <a:pPr lvl="0"/>
+            <a:r>
+              <a:rPr lang="en-US"/>
+              <a:t>Edit Master text styles</a:t>
+            </a:r>
+          </a:p>
+          <a:p>
+            <a:pPr lvl="1"/>
+            <a:r>
+              <a:rPr lang="en-US"/>
+              <a:t>Second level</a:t>
+            </a:r>
+          </a:p>
+          <a:p>
+            <a:pPr lvl="2"/>
+            <a:r>
+              <a:rPr lang="en-US"/>
+              <a:t>Third level</a:t>
+            </a:r>
+          </a:p>
+          <a:p>
+            <a:pPr lvl="3"/>
+            <a:r>
+              <a:rPr lang="en-US"/>
+              <a:t>Fourth level</a:t>
+            </a:r>
+          </a:p>
+          <a:p>
+            <a:pPr lvl="4"/>
+            <a:r>
+              <a:rPr lang="en-US"/>
+              <a:t>Fifth level</a:t>
+            </a:r>
+          </a:p>
+        </p:txBody>
+      </p:sp>
+      <p:sp>
+        <p:nvSpPr>
+          <p:cNvPr id="6" name="Footer Placeholder 5"/>
+          <p:cNvSpPr>
+            <a:spLocks noGrp="1"/>
+          </p:cNvSpPr>
+          <p:nvPr>
+            <p:ph type="ftr" sz="quarter" idx="4"/>
+          </p:nvPr>
+        </p:nvSpPr>
+        <p:spPr>
+          <a:xfrm>
+            <a:off x="0" y="8685213"/>
+            <a:ext cx="2971800" cy="458787"/>
+          </a:xfrm>
+          <a:prstGeom prst="rect">
+            <a:avLst/>
+          </a:prstGeom>
+        </p:spPr>
+        <p:txBody>
+          <a:bodyPr vert="horz" lIns="91440" tIns="45720" rIns="91440" bIns="45720" rtlCol="0" anchor="b"/>
+          <a:lstStyle>
+            <a:lvl1pPr algn="l">
+              <a:defRPr sz="1200"/>
+            </a:lvl1pPr>
+          </a:lstStyle>
+          <a:p>
+            <a:endParaRPr lang="en-US"/>
+          </a:p>
+        </p:txBody>
+      </p:sp>
+      <p:sp>
+        <p:nvSpPr>
+          <p:cNvPr id="7" name="Slide Number Placeholder 6"/>
+          <p:cNvSpPr>
+            <a:spLocks noGrp="1"/>
+          </p:cNvSpPr>
+          <p:nvPr>
+            <p:ph type="sldNum" sz="quarter" idx="5"/>
+          </p:nvPr>
+        </p:nvSpPr>
+        <p:spPr>
+          <a:xfrm>
+            <a:off x="3884613" y="8685213"/>
+            <a:ext cx="2971800" cy="458787"/>
+          </a:xfrm>
+          <a:prstGeom prst="rect">
+            <a:avLst/>
+          </a:prstGeom>
+        </p:spPr>
+        <p:txBody>
+          <a:bodyPr vert="horz" lIns="91440" tIns="45720" rIns="91440" bIns="45720" rtlCol="0" anchor="b"/>
+          <a:lstStyle>
+            <a:lvl1pPr algn="r">
+              <a:defRPr sz="1200"/>
+            </a:lvl1pPr>
+          </a:lstStyle>
+          <a:p>
+            <a:fld id="{8692CACF-2942-4944-9E24-FE5EB949D41E}" type="slidenum">
+              <a:rPr lang="en-US" smtClean="0"/>
+              <a:t>‹#›</a:t>
+            </a:fld>
+            <a:endParaRPr lang="en-US"/>
+          </a:p>
+        </p:txBody>
+      </p:sp>
+    </p:spTree>
+    <p:extLst>
+      <p:ext uri="{BB962C8B-B14F-4D97-AF65-F5344CB8AC3E}">
+        <p14:creationId xmlns:p14="http://schemas.microsoft.com/office/powerpoint/2010/main" val="2884975217"/>
+      </p:ext>
+    </p:extLst>
+  </p:cSld>
+  <p:clrMap bg1="lt1" tx1="dk1" bg2="lt2" tx2="dk2" accent1="accent1" accent2="accent2" accent3="accent3" accent4="accent4" accent5="accent5" accent6="accent6" hlink="hlink" folHlink="folHlink"/>
+  <p:notesStyle>
+    <a:lvl1pPr marL="0" algn="l" defTabSz="914400" rtl="0" eaLnBrk="1" latinLnBrk="0" hangingPunct="1">
+      <a:defRPr sz="1200" kern="1200">
+        <a:solidFill>
+          <a:schemeClr val="tx1"/>
+        </a:solidFill>
+        <a:latin typeface="+mn-lt"/>
+        <a:ea typeface="+mn-ea"/>
+        <a:cs typeface="+mn-cs"/>
+      </a:defRPr>
+    </a:lvl1pPr>
+    <a:lvl2pPr marL="457200" algn="l" defTabSz="914400" rtl="0" eaLnBrk="1" latinLnBrk="0" hangingPunct="1">
+      <a:defRPr sz="1200" kern="1200">
+        <a:solidFill>
+          <a:schemeClr val="tx1"/>
+        </a:solidFill>
+        <a:latin typeface="+mn-lt"/>
+        <a:ea typeface="+mn-ea"/>
+        <a:cs typeface="+mn-cs"/>
+      </a:defRPr>
+    </a:lvl2pPr>
+    <a:lvl3pPr marL="914400" algn="l" defTabSz="914400" rtl="0" eaLnBrk="1" latinLnBrk="0" hangingPunct="1">
+      <a:defRPr sz="1200" kern="1200">
+        <a:solidFill>
+          <a:schemeClr val="tx1"/>
+        </a:solidFill>
+        <a:latin typeface="+mn-lt"/>
+        <a:ea typeface="+mn-ea"/>
+        <a:cs typeface="+mn-cs"/>
+      </a:defRPr>
+    </a:lvl3pPr>
+    <a:lvl4pPr marL="1371600" algn="l" defTabSz="914400" rtl="0" eaLnBrk="1" latinLnBrk="0" hangingPunct="1">
+      <a:defRPr sz="1200" kern="1200">
+        <a:solidFill>
+          <a:schemeClr val="tx1"/>
+        </a:solidFill>
+        <a:latin typeface="+mn-lt"/>
+        <a:ea typeface="+mn-ea"/>
+        <a:cs typeface="+mn-cs"/>
+      </a:defRPr>
+    </a:lvl4pPr>
+    <a:lvl5pPr marL="1828800" algn="l" defTabSz="914400" rtl="0" eaLnBrk="1" latinLnBrk="0" hangingPunct="1">
+      <a:defRPr sz="1200" kern="1200">
+        <a:solidFill>
+          <a:schemeClr val="tx1"/>
+        </a:solidFill>
+        <a:latin typeface="+mn-lt"/>
+        <a:ea typeface="+mn-ea"/>
+        <a:cs typeface="+mn-cs"/>
+      </a:defRPr>
+    </a:lvl5pPr>
+    <a:lvl6pPr marL="2286000" algn="l" defTabSz="914400" rtl="0" eaLnBrk="1" latinLnBrk="0" hangingPunct="1">
+      <a:defRPr sz="1200" kern="1200">
+        <a:solidFill>
+          <a:schemeClr val="tx1"/>
+        </a:solidFill>
+        <a:latin typeface="+mn-lt"/>
+        <a:ea typeface="+mn-ea"/>
+        <a:cs typeface="+mn-cs"/>
+      </a:defRPr>
+    </a:lvl6pPr>
+    <a:lvl7pPr marL="2743200" algn="l" defTabSz="914400" rtl="0" eaLnBrk="1" latinLnBrk="0" hangingPunct="1">
+      <a:defRPr sz="1200" kern="1200">
+        <a:solidFill>
+          <a:schemeClr val="tx1"/>
+        </a:solidFill>
+        <a:latin typeface="+mn-lt"/>
+        <a:ea typeface="+mn-ea"/>
+        <a:cs typeface="+mn-cs"/>
+      </a:defRPr>
+    </a:lvl7pPr>
+    <a:lvl8pPr marL="3200400" algn="l" defTabSz="914400" rtl="0" eaLnBrk="1" latinLnBrk="0" hangingPunct="1">
+      <a:defRPr sz="1200" kern="1200">
+        <a:solidFill>
+          <a:schemeClr val="tx1"/>
+        </a:solidFill>
+        <a:latin typeface="+mn-lt"/>
+        <a:ea typeface="+mn-ea"/>
+        <a:cs typeface="+mn-cs"/>
+      </a:defRPr>
+    </a:lvl8pPr>
+    <a:lvl9pPr marL="3657600" algn="l" defTabSz="914400" rtl="0" eaLnBrk="1" latinLnBrk="0" hangingPunct="1">
+      <a:defRPr sz="1200" kern="1200">
+        <a:solidFill>
+          <a:schemeClr val="tx1"/>
+        </a:solidFill>
+        <a:latin typeface="+mn-lt"/>
+        <a:ea typeface="+mn-ea"/>
+        <a:cs typeface="+mn-cs"/>
+      </a:defRPr>
+    </a:lvl9pPr>
+  </p:notesStyle>
+</p:notesMaster>
+</file>
+
+<file path=ppt/notesSlides/notesSlide1.xml><?xml version="1.0" encoding="utf-8"?>
+<p:notes xmlns:a="http://schemas.openxmlformats.org/drawingml/2006/main" xmlns:r="http://schemas.openxmlformats.org/officeDocument/2006/relationships" xmlns:p="http://schemas.openxmlformats.org/presentationml/2006/main">
+  <p:cSld>
+    <p:spTree>
+      <p:nvGrpSpPr>
+        <p:cNvPr id="1" name=""/>
+        <p:cNvGrpSpPr/>
+        <p:nvPr/>
+      </p:nvGrpSpPr>
+      <p:grpSpPr>
+        <a:xfrm>
+          <a:off x="0" y="0"/>
+          <a:ext cx="0" cy="0"/>
+          <a:chOff x="0" y="0"/>
+          <a:chExt cx="0" cy="0"/>
+        </a:xfrm>
+      </p:grpSpPr>
+      <p:sp>
+        <p:nvSpPr>
+          <p:cNvPr id="2" name="Slide Image Placeholder 1"/>
+          <p:cNvSpPr>
+            <a:spLocks noGrp="1" noRot="1" noChangeAspect="1"/>
+          </p:cNvSpPr>
+          <p:nvPr>
+            <p:ph type="sldImg"/>
+          </p:nvPr>
+        </p:nvSpPr>
+        <p:spPr/>
+      </p:sp>
+      <p:sp>
+        <p:nvSpPr>
+          <p:cNvPr id="3" name="Notes Placeholder 2"/>
+          <p:cNvSpPr>
+            <a:spLocks noGrp="1"/>
+          </p:cNvSpPr>
+          <p:nvPr>
+            <p:ph type="body" idx="1"/>
+          </p:nvPr>
+        </p:nvSpPr>
+        <p:spPr/>
+        <p:txBody>
+          <a:bodyPr/>
+          <a:lstStyle/>
+          <a:p>
+            <a:r>
+              <a:rPr lang="en-US" dirty="0"/>
+              <a:t>Scope : </a:t>
+            </a:r>
+          </a:p>
+          <a:p>
+            <a:r>
+              <a:rPr lang="en-US" dirty="0" err="1"/>
+              <a:t>UVic</a:t>
+            </a:r>
+            <a:r>
+              <a:rPr lang="en-US" dirty="0"/>
+              <a:t> HCMC about 1/10 the scale of KCL</a:t>
+            </a:r>
+          </a:p>
+          <a:p>
+            <a:r>
+              <a:rPr lang="en-US" dirty="0"/>
+              <a:t>over 20+ years, primarily digital editions with definite end dates</a:t>
+            </a:r>
+          </a:p>
+          <a:p>
+            <a:r>
+              <a:rPr lang="en-US" dirty="0"/>
+              <a:t>Library’s constraints</a:t>
+            </a:r>
+          </a:p>
+          <a:p>
+            <a:r>
+              <a:rPr lang="en-US" dirty="0"/>
+              <a:t>Modest capabilities and may change over time</a:t>
+            </a:r>
+          </a:p>
+          <a:p>
+            <a:r>
+              <a:rPr lang="en-US" dirty="0"/>
+              <a:t>Institutional ambitions not those of Stanford U. Press</a:t>
+            </a:r>
+          </a:p>
+          <a:p>
+            <a:r>
+              <a:rPr lang="en-US" dirty="0"/>
+              <a:t>Sys-admin’s constraints</a:t>
+            </a:r>
+          </a:p>
+          <a:p>
+            <a:r>
+              <a:rPr lang="en-US" dirty="0"/>
+              <a:t>Inflexible and will definitely change over time</a:t>
+            </a:r>
+          </a:p>
+          <a:p>
+            <a:r>
+              <a:rPr lang="en-US" dirty="0"/>
+              <a:t>Thus, the Rosenzweig “God knows how many versions of PHP” issue</a:t>
+            </a:r>
+          </a:p>
+          <a:p>
+            <a:endParaRPr lang="en-US" dirty="0"/>
+          </a:p>
+        </p:txBody>
+      </p:sp>
+      <p:sp>
+        <p:nvSpPr>
+          <p:cNvPr id="4" name="Slide Number Placeholder 3"/>
+          <p:cNvSpPr>
+            <a:spLocks noGrp="1"/>
+          </p:cNvSpPr>
+          <p:nvPr>
+            <p:ph type="sldNum" sz="quarter" idx="5"/>
+          </p:nvPr>
+        </p:nvSpPr>
+        <p:spPr/>
+        <p:txBody>
+          <a:bodyPr/>
+          <a:lstStyle/>
+          <a:p>
+            <a:fld id="{8692CACF-2942-4944-9E24-FE5EB949D41E}" type="slidenum">
+              <a:rPr lang="en-US" smtClean="0"/>
+              <a:t>4</a:t>
+            </a:fld>
+            <a:endParaRPr lang="en-US"/>
+          </a:p>
+        </p:txBody>
+      </p:sp>
+    </p:spTree>
+    <p:extLst>
+      <p:ext uri="{BB962C8B-B14F-4D97-AF65-F5344CB8AC3E}">
+        <p14:creationId xmlns:p14="http://schemas.microsoft.com/office/powerpoint/2010/main" val="2908249933"/>
+      </p:ext>
+    </p:extLst>
+  </p:cSld>
+  <p:clrMapOvr>
+    <a:masterClrMapping/>
+  </p:clrMapOvr>
+</p:notes>
 </file>
 
 <file path=ppt/slideLayouts/slideLayout1.xml><?xml version="1.0" encoding="utf-8"?>
@@ -266,7 +763,7 @@
           <a:p>
             <a:fld id="{BE476153-8294-644E-8538-D9ABAF75DA48}" type="datetimeFigureOut">
               <a:rPr lang="en-US" smtClean="0"/>
-              <a:t>6/20/19</a:t>
+              <a:t>6/24/19</a:t>
             </a:fld>
             <a:endParaRPr lang="en-US"/>
           </a:p>
@@ -464,7 +961,7 @@
           <a:p>
             <a:fld id="{BE476153-8294-644E-8538-D9ABAF75DA48}" type="datetimeFigureOut">
               <a:rPr lang="en-US" smtClean="0"/>
-              <a:t>6/20/19</a:t>
+              <a:t>6/24/19</a:t>
             </a:fld>
             <a:endParaRPr lang="en-US"/>
           </a:p>
@@ -672,7 +1169,7 @@
           <a:p>
             <a:fld id="{BE476153-8294-644E-8538-D9ABAF75DA48}" type="datetimeFigureOut">
               <a:rPr lang="en-US" smtClean="0"/>
-              <a:t>6/20/19</a:t>
+              <a:t>6/24/19</a:t>
             </a:fld>
             <a:endParaRPr lang="en-US"/>
           </a:p>
@@ -870,7 +1367,7 @@
           <a:p>
             <a:fld id="{BE476153-8294-644E-8538-D9ABAF75DA48}" type="datetimeFigureOut">
               <a:rPr lang="en-US" smtClean="0"/>
-              <a:t>6/20/19</a:t>
+              <a:t>6/24/19</a:t>
             </a:fld>
             <a:endParaRPr lang="en-US"/>
           </a:p>
@@ -1145,7 +1642,7 @@
           <a:p>
             <a:fld id="{BE476153-8294-644E-8538-D9ABAF75DA48}" type="datetimeFigureOut">
               <a:rPr lang="en-US" smtClean="0"/>
-              <a:t>6/20/19</a:t>
+              <a:t>6/24/19</a:t>
             </a:fld>
             <a:endParaRPr lang="en-US"/>
           </a:p>
@@ -1410,7 +1907,7 @@
           <a:p>
             <a:fld id="{BE476153-8294-644E-8538-D9ABAF75DA48}" type="datetimeFigureOut">
               <a:rPr lang="en-US" smtClean="0"/>
-              <a:t>6/20/19</a:t>
+              <a:t>6/24/19</a:t>
             </a:fld>
             <a:endParaRPr lang="en-US"/>
           </a:p>
@@ -1822,7 +2319,7 @@
           <a:p>
             <a:fld id="{BE476153-8294-644E-8538-D9ABAF75DA48}" type="datetimeFigureOut">
               <a:rPr lang="en-US" smtClean="0"/>
-              <a:t>6/20/19</a:t>
+              <a:t>6/24/19</a:t>
             </a:fld>
             <a:endParaRPr lang="en-US"/>
           </a:p>
@@ -1963,7 +2460,7 @@
           <a:p>
             <a:fld id="{BE476153-8294-644E-8538-D9ABAF75DA48}" type="datetimeFigureOut">
               <a:rPr lang="en-US" smtClean="0"/>
-              <a:t>6/20/19</a:t>
+              <a:t>6/24/19</a:t>
             </a:fld>
             <a:endParaRPr lang="en-US"/>
           </a:p>
@@ -2076,7 +2573,7 @@
           <a:p>
             <a:fld id="{BE476153-8294-644E-8538-D9ABAF75DA48}" type="datetimeFigureOut">
               <a:rPr lang="en-US" smtClean="0"/>
-              <a:t>6/20/19</a:t>
+              <a:t>6/24/19</a:t>
             </a:fld>
             <a:endParaRPr lang="en-US"/>
           </a:p>
@@ -2387,7 +2884,7 @@
           <a:p>
             <a:fld id="{BE476153-8294-644E-8538-D9ABAF75DA48}" type="datetimeFigureOut">
               <a:rPr lang="en-US" smtClean="0"/>
-              <a:t>6/20/19</a:t>
+              <a:t>6/24/19</a:t>
             </a:fld>
             <a:endParaRPr lang="en-US"/>
           </a:p>
@@ -2675,7 +3172,7 @@
           <a:p>
             <a:fld id="{BE476153-8294-644E-8538-D9ABAF75DA48}" type="datetimeFigureOut">
               <a:rPr lang="en-US" smtClean="0"/>
-              <a:t>6/20/19</a:t>
+              <a:t>6/24/19</a:t>
             </a:fld>
             <a:endParaRPr lang="en-US"/>
           </a:p>
@@ -2916,7 +3413,7 @@
           <a:p>
             <a:fld id="{BE476153-8294-644E-8538-D9ABAF75DA48}" type="datetimeFigureOut">
               <a:rPr lang="en-US" smtClean="0"/>
-              <a:t>6/20/19</a:t>
+              <a:t>6/24/19</a:t>
             </a:fld>
             <a:endParaRPr lang="en-US"/>
           </a:p>
@@ -3444,7 +3941,7 @@
             </a:br>
             <a:r>
               <a:rPr lang="en-US" dirty="0"/>
-              <a:t>Presented by Stewart </a:t>
+              <a:t>Presenter Stewart </a:t>
             </a:r>
             <a:r>
               <a:rPr lang="en-US" dirty="0" err="1"/>
@@ -3452,13 +3949,13 @@
             </a:r>
             <a:r>
               <a:rPr lang="en-US" dirty="0"/>
-              <a:t> for the Endings project</a:t>
-            </a:r>
-          </a:p>
-          <a:p>
-            <a:r>
-              <a:rPr lang="en-US" dirty="0"/>
-              <a:t>Library and Humanities Computing and Media Centre</a:t>
+              <a:t>, co-authors Martin Holmes, Greg Newton </a:t>
+            </a:r>
+          </a:p>
+          <a:p>
+            <a:r>
+              <a:rPr lang="en-US" dirty="0"/>
+              <a:t>for the Endings project</a:t>
             </a:r>
           </a:p>
           <a:p>
@@ -3588,7 +4085,7 @@
           <a:p>
             <a:r>
               <a:rPr lang="en-US" dirty="0"/>
-              <a:t>Choose dependencies consciously, frugally, wisely, ruthlessly</a:t>
+              <a:t>Choose dependencies consciously, frugally, wisely</a:t>
             </a:r>
           </a:p>
           <a:p>
@@ -3606,7 +4103,7 @@
           <a:p>
             <a:r>
               <a:rPr lang="en-US" dirty="0"/>
-              <a:t>Be prepared to pay a price for autonomy and dependability</a:t>
+              <a:t>Embrace the price for autonomy and longevity</a:t>
             </a:r>
           </a:p>
           <a:p>
@@ -3743,7 +4240,7 @@
           <a:p>
             <a:r>
               <a:rPr lang="en-US" dirty="0"/>
-              <a:t>An ideal of what will actually be going on in your project’s future:</a:t>
+              <a:t>A ruthless ideal of your project’s future:</a:t>
             </a:r>
           </a:p>
           <a:p>
@@ -3794,237 +4291,6 @@
     <p:extLst>
       <p:ext uri="{BB962C8B-B14F-4D97-AF65-F5344CB8AC3E}">
         <p14:creationId xmlns:p14="http://schemas.microsoft.com/office/powerpoint/2010/main" val="3038906736"/>
-      </p:ext>
-    </p:extLst>
-  </p:cSld>
-  <p:clrMapOvr>
-    <a:masterClrMapping/>
-  </p:clrMapOvr>
-</p:sld>
-</file>
-
-<file path=ppt/slides/slide12.xml><?xml version="1.0" encoding="utf-8"?>
-<p:sld xmlns:a="http://schemas.openxmlformats.org/drawingml/2006/main" xmlns:r="http://schemas.openxmlformats.org/officeDocument/2006/relationships" xmlns:p="http://schemas.openxmlformats.org/presentationml/2006/main">
-  <p:cSld>
-    <p:spTree>
-      <p:nvGrpSpPr>
-        <p:cNvPr id="1" name=""/>
-        <p:cNvGrpSpPr/>
-        <p:nvPr/>
-      </p:nvGrpSpPr>
-      <p:grpSpPr>
-        <a:xfrm>
-          <a:off x="0" y="0"/>
-          <a:ext cx="0" cy="0"/>
-          <a:chOff x="0" y="0"/>
-          <a:chExt cx="0" cy="0"/>
-        </a:xfrm>
-      </p:grpSpPr>
-      <p:pic>
-        <p:nvPicPr>
-          <p:cNvPr id="4" name="Picture 3" descr="UC+M_04180_UnveilingMat8.jpg">
-            <a:extLst>
-              <a:ext uri="{FF2B5EF4-FFF2-40B4-BE49-F238E27FC236}">
-                <a16:creationId xmlns:a16="http://schemas.microsoft.com/office/drawing/2014/main" id="{A70600E6-85B4-1F4B-87C2-B2043D3F38C2}"/>
-              </a:ext>
-            </a:extLst>
-          </p:cNvPr>
-          <p:cNvPicPr>
-            <a:picLocks noChangeAspect="1"/>
-          </p:cNvPicPr>
-          <p:nvPr/>
-        </p:nvPicPr>
-        <p:blipFill rotWithShape="1">
-          <a:blip r:embed="rId2">
-            <a:extLst>
-              <a:ext uri="{28A0092B-C50C-407E-A947-70E740481C1C}">
-                <a14:useLocalDpi xmlns:a14="http://schemas.microsoft.com/office/drawing/2010/main" val="0"/>
-              </a:ext>
-            </a:extLst>
-          </a:blip>
-          <a:srcRect l="80000"/>
-          <a:stretch/>
-        </p:blipFill>
-        <p:spPr>
-          <a:xfrm>
-            <a:off x="10363200" y="0"/>
-            <a:ext cx="1828800" cy="6858000"/>
-          </a:xfrm>
-          <a:prstGeom prst="rect">
-            <a:avLst/>
-          </a:prstGeom>
-        </p:spPr>
-      </p:pic>
-      <p:sp>
-        <p:nvSpPr>
-          <p:cNvPr id="2" name="Title 1">
-            <a:extLst>
-              <a:ext uri="{FF2B5EF4-FFF2-40B4-BE49-F238E27FC236}">
-                <a16:creationId xmlns:a16="http://schemas.microsoft.com/office/drawing/2014/main" id="{6BFB6AEF-61BE-304A-8DEC-A93F726A977F}"/>
-              </a:ext>
-            </a:extLst>
-          </p:cNvPr>
-          <p:cNvSpPr>
-            <a:spLocks noGrp="1"/>
-          </p:cNvSpPr>
-          <p:nvPr>
-            <p:ph type="title"/>
-          </p:nvPr>
-        </p:nvSpPr>
-        <p:spPr/>
-        <p:txBody>
-          <a:bodyPr/>
-          <a:lstStyle/>
-          <a:p>
-            <a:endParaRPr lang="en-US"/>
-          </a:p>
-        </p:txBody>
-      </p:sp>
-      <p:sp>
-        <p:nvSpPr>
-          <p:cNvPr id="3" name="Content Placeholder 2">
-            <a:extLst>
-              <a:ext uri="{FF2B5EF4-FFF2-40B4-BE49-F238E27FC236}">
-                <a16:creationId xmlns:a16="http://schemas.microsoft.com/office/drawing/2014/main" id="{517FE26C-8C52-4A4C-BF96-A7BAC00CC77D}"/>
-              </a:ext>
-            </a:extLst>
-          </p:cNvPr>
-          <p:cNvSpPr>
-            <a:spLocks noGrp="1"/>
-          </p:cNvSpPr>
-          <p:nvPr>
-            <p:ph idx="1"/>
-          </p:nvPr>
-        </p:nvSpPr>
-        <p:spPr/>
-        <p:txBody>
-          <a:bodyPr/>
-          <a:lstStyle/>
-          <a:p>
-            <a:endParaRPr lang="en-US"/>
-          </a:p>
-        </p:txBody>
-      </p:sp>
-    </p:spTree>
-    <p:extLst>
-      <p:ext uri="{BB962C8B-B14F-4D97-AF65-F5344CB8AC3E}">
-        <p14:creationId xmlns:p14="http://schemas.microsoft.com/office/powerpoint/2010/main" val="980317661"/>
-      </p:ext>
-    </p:extLst>
-  </p:cSld>
-  <p:clrMapOvr>
-    <a:masterClrMapping/>
-  </p:clrMapOvr>
-</p:sld>
-</file>
-
-<file path=ppt/slides/slide13.xml><?xml version="1.0" encoding="utf-8"?>
-<p:sld xmlns:a="http://schemas.openxmlformats.org/drawingml/2006/main" xmlns:r="http://schemas.openxmlformats.org/officeDocument/2006/relationships" xmlns:p="http://schemas.openxmlformats.org/presentationml/2006/main">
-  <p:cSld>
-    <p:spTree>
-      <p:nvGrpSpPr>
-        <p:cNvPr id="1" name=""/>
-        <p:cNvGrpSpPr/>
-        <p:nvPr/>
-      </p:nvGrpSpPr>
-      <p:grpSpPr>
-        <a:xfrm>
-          <a:off x="0" y="0"/>
-          <a:ext cx="0" cy="0"/>
-          <a:chOff x="0" y="0"/>
-          <a:chExt cx="0" cy="0"/>
-        </a:xfrm>
-      </p:grpSpPr>
-      <p:sp>
-        <p:nvSpPr>
-          <p:cNvPr id="2" name="Title 1">
-            <a:extLst>
-              <a:ext uri="{FF2B5EF4-FFF2-40B4-BE49-F238E27FC236}">
-                <a16:creationId xmlns:a16="http://schemas.microsoft.com/office/drawing/2014/main" id="{79BC0C46-C843-E94C-802F-F307CD606487}"/>
-              </a:ext>
-            </a:extLst>
-          </p:cNvPr>
-          <p:cNvSpPr>
-            <a:spLocks noGrp="1"/>
-          </p:cNvSpPr>
-          <p:nvPr>
-            <p:ph type="title"/>
-          </p:nvPr>
-        </p:nvSpPr>
-        <p:spPr/>
-        <p:txBody>
-          <a:bodyPr/>
-          <a:lstStyle/>
-          <a:p>
-            <a:endParaRPr lang="en-US"/>
-          </a:p>
-        </p:txBody>
-      </p:sp>
-      <p:sp>
-        <p:nvSpPr>
-          <p:cNvPr id="3" name="Content Placeholder 2">
-            <a:extLst>
-              <a:ext uri="{FF2B5EF4-FFF2-40B4-BE49-F238E27FC236}">
-                <a16:creationId xmlns:a16="http://schemas.microsoft.com/office/drawing/2014/main" id="{DC60EEFC-B72A-424C-91A1-527E81255BC1}"/>
-              </a:ext>
-            </a:extLst>
-          </p:cNvPr>
-          <p:cNvSpPr>
-            <a:spLocks noGrp="1"/>
-          </p:cNvSpPr>
-          <p:nvPr>
-            <p:ph idx="1"/>
-          </p:nvPr>
-        </p:nvSpPr>
-        <p:spPr/>
-        <p:txBody>
-          <a:bodyPr/>
-          <a:lstStyle/>
-          <a:p>
-            <a:endParaRPr lang="en-US"/>
-          </a:p>
-        </p:txBody>
-      </p:sp>
-      <p:pic>
-        <p:nvPicPr>
-          <p:cNvPr id="4" name="Picture 3" descr="UC+M_04180_UnveilingMat13.jpg">
-            <a:extLst>
-              <a:ext uri="{FF2B5EF4-FFF2-40B4-BE49-F238E27FC236}">
-                <a16:creationId xmlns:a16="http://schemas.microsoft.com/office/drawing/2014/main" id="{F78B1085-5DC9-544A-A801-7096CC322BF7}"/>
-              </a:ext>
-            </a:extLst>
-          </p:cNvPr>
-          <p:cNvPicPr>
-            <a:picLocks noChangeAspect="1"/>
-          </p:cNvPicPr>
-          <p:nvPr/>
-        </p:nvPicPr>
-        <p:blipFill>
-          <a:blip r:embed="rId2">
-            <a:extLst>
-              <a:ext uri="{28A0092B-C50C-407E-A947-70E740481C1C}">
-                <a14:useLocalDpi xmlns:a14="http://schemas.microsoft.com/office/drawing/2010/main" val="0"/>
-              </a:ext>
-            </a:extLst>
-          </a:blip>
-          <a:stretch>
-            <a:fillRect/>
-          </a:stretch>
-        </p:blipFill>
-        <p:spPr>
-          <a:xfrm>
-            <a:off x="0" y="0"/>
-            <a:ext cx="12192000" cy="6858000"/>
-          </a:xfrm>
-          <a:prstGeom prst="rect">
-            <a:avLst/>
-          </a:prstGeom>
-        </p:spPr>
-      </p:pic>
-    </p:spTree>
-    <p:extLst>
-      <p:ext uri="{BB962C8B-B14F-4D97-AF65-F5344CB8AC3E}">
-        <p14:creationId xmlns:p14="http://schemas.microsoft.com/office/powerpoint/2010/main" val="2834584969"/>
       </p:ext>
     </p:extLst>
   </p:cSld>
@@ -4392,7 +4658,7 @@
           <p:nvPr/>
         </p:nvPicPr>
         <p:blipFill rotWithShape="1">
-          <a:blip r:embed="rId2">
+          <a:blip r:embed="rId3">
             <a:extLst>
               <a:ext uri="{28A0092B-C50C-407E-A947-70E740481C1C}">
                 <a14:useLocalDpi xmlns:a14="http://schemas.microsoft.com/office/drawing/2010/main" val="0"/>
@@ -4461,77 +4727,51 @@
           <a:bodyPr/>
           <a:lstStyle/>
           <a:p>
-            <a:r>
-              <a:rPr lang="en-US" dirty="0"/>
-              <a:t>Scope : </a:t>
-            </a:r>
-          </a:p>
-          <a:p>
-            <a:pPr lvl="1"/>
+            <a:pPr marL="0" indent="0">
+              <a:buNone/>
+            </a:pPr>
+            <a:r>
+              <a:rPr lang="en-US"/>
+              <a:t>       Team Scope                       Library                            </a:t>
+            </a:r>
+            <a:r>
+              <a:rPr lang="en-US" dirty="0"/>
+              <a:t>Sys-admin</a:t>
+            </a:r>
+          </a:p>
+          <a:p>
+            <a:pPr marL="0" indent="0">
+              <a:buNone/>
+            </a:pPr>
+            <a:br>
+              <a:rPr lang="en-US" dirty="0"/>
+            </a:br>
+            <a:br>
+              <a:rPr lang="en-US" dirty="0"/>
+            </a:br>
+            <a:br>
+              <a:rPr lang="en-US" dirty="0"/>
+            </a:br>
+            <a:br>
+              <a:rPr lang="en-US" dirty="0"/>
+            </a:br>
+            <a:br>
+              <a:rPr lang="en-US" dirty="0"/>
+            </a:br>
+            <a:br>
+              <a:rPr lang="en-US" dirty="0"/>
+            </a:br>
+            <a:r>
+              <a:rPr lang="en-US" dirty="0"/>
+              <a:t>     </a:t>
+            </a:r>
             <a:r>
               <a:rPr lang="en-US" dirty="0" err="1"/>
               <a:t>UVic</a:t>
             </a:r>
             <a:r>
               <a:rPr lang="en-US" dirty="0"/>
-              <a:t> HCMC about 1/10 the scale of KCL</a:t>
-            </a:r>
-          </a:p>
-          <a:p>
-            <a:pPr lvl="1"/>
-            <a:r>
-              <a:rPr lang="en-US" dirty="0"/>
-              <a:t>over 20+ years, primarily digital editions with definite end dates</a:t>
-            </a:r>
-          </a:p>
-          <a:p>
-            <a:r>
-              <a:rPr lang="en-US" dirty="0"/>
-              <a:t>Library’s constraints on what survives</a:t>
-            </a:r>
-          </a:p>
-          <a:p>
-            <a:pPr lvl="1"/>
-            <a:r>
-              <a:rPr lang="en-US" dirty="0"/>
-              <a:t>Modest capabilities and may change over time</a:t>
-            </a:r>
-          </a:p>
-          <a:p>
-            <a:pPr lvl="1"/>
-            <a:r>
-              <a:rPr lang="en-US" dirty="0"/>
-              <a:t>Institutional ambitions not those of Stanford U. Press</a:t>
-            </a:r>
-          </a:p>
-          <a:p>
-            <a:r>
-              <a:rPr lang="en-US" dirty="0"/>
-              <a:t>Sys-admin’s constraints on what survives </a:t>
-            </a:r>
-          </a:p>
-          <a:p>
-            <a:pPr lvl="1"/>
-            <a:r>
-              <a:rPr lang="en-US" dirty="0"/>
-              <a:t>Inflexible and will definitely change over time</a:t>
-            </a:r>
-          </a:p>
-          <a:p>
-            <a:pPr lvl="1"/>
-            <a:r>
-              <a:rPr lang="en-US" dirty="0"/>
-              <a:t>Thus, the Rosenzweig</a:t>
-            </a:r>
-            <a:r>
-              <a:rPr lang="en-CA" dirty="0">
-                <a:effectLst/>
-              </a:rPr>
-              <a:t> </a:t>
-            </a:r>
-            <a:r>
-              <a:rPr lang="en-US" dirty="0"/>
-              <a:t>“God knows how many versions of PHP” issue</a:t>
+              <a:t> 1/10 KCL           modest to Stanford      secure? ask Rosenzweig</a:t>
             </a:r>
           </a:p>
           <a:p>
@@ -4543,15 +4783,101 @@
           <a:p>
             <a:endParaRPr lang="en-US" dirty="0"/>
           </a:p>
-          <a:p>
-            <a:endParaRPr lang="en-US" dirty="0"/>
-          </a:p>
-        </p:txBody>
-      </p:sp>
+        </p:txBody>
+      </p:sp>
+      <p:pic>
+        <p:nvPicPr>
+          <p:cNvPr id="6" name="Picture 5">
+            <a:extLst>
+              <a:ext uri="{FF2B5EF4-FFF2-40B4-BE49-F238E27FC236}">
+                <a16:creationId xmlns:a16="http://schemas.microsoft.com/office/drawing/2014/main" id="{3779E78A-65F6-1C47-B064-E22B0BAB731D}"/>
+              </a:ext>
+            </a:extLst>
+          </p:cNvPr>
+          <p:cNvPicPr>
+            <a:picLocks noChangeAspect="1"/>
+          </p:cNvPicPr>
+          <p:nvPr/>
+        </p:nvPicPr>
+        <p:blipFill rotWithShape="1">
+          <a:blip r:embed="rId4"/>
+          <a:srcRect t="17736" b="16337"/>
+          <a:stretch/>
+        </p:blipFill>
+        <p:spPr>
+          <a:xfrm>
+            <a:off x="1054997" y="2540358"/>
+            <a:ext cx="2695899" cy="1777284"/>
+          </a:xfrm>
+          <a:prstGeom prst="rect">
+            <a:avLst/>
+          </a:prstGeom>
+        </p:spPr>
+      </p:pic>
+      <p:pic>
+        <p:nvPicPr>
+          <p:cNvPr id="8" name="Picture 7">
+            <a:extLst>
+              <a:ext uri="{FF2B5EF4-FFF2-40B4-BE49-F238E27FC236}">
+                <a16:creationId xmlns:a16="http://schemas.microsoft.com/office/drawing/2014/main" id="{3AC1FC6C-5342-5D42-A307-344A819B762D}"/>
+              </a:ext>
+            </a:extLst>
+          </p:cNvPr>
+          <p:cNvPicPr>
+            <a:picLocks noChangeAspect="1"/>
+          </p:cNvPicPr>
+          <p:nvPr/>
+        </p:nvPicPr>
+        <p:blipFill>
+          <a:blip r:embed="rId5"/>
+          <a:stretch>
+            <a:fillRect/>
+          </a:stretch>
+        </p:blipFill>
+        <p:spPr>
+          <a:xfrm>
+            <a:off x="4328088" y="2540358"/>
+            <a:ext cx="2695899" cy="1777731"/>
+          </a:xfrm>
+          <a:prstGeom prst="rect">
+            <a:avLst/>
+          </a:prstGeom>
+        </p:spPr>
+      </p:pic>
+      <p:pic>
+        <p:nvPicPr>
+          <p:cNvPr id="10" name="Picture 9">
+            <a:extLst>
+              <a:ext uri="{FF2B5EF4-FFF2-40B4-BE49-F238E27FC236}">
+                <a16:creationId xmlns:a16="http://schemas.microsoft.com/office/drawing/2014/main" id="{AD9F8121-8DC7-0846-A9AD-1CB012833AD9}"/>
+              </a:ext>
+            </a:extLst>
+          </p:cNvPr>
+          <p:cNvPicPr>
+            <a:picLocks noChangeAspect="1"/>
+          </p:cNvPicPr>
+          <p:nvPr/>
+        </p:nvPicPr>
+        <p:blipFill>
+          <a:blip r:embed="rId6"/>
+          <a:stretch>
+            <a:fillRect/>
+          </a:stretch>
+        </p:blipFill>
+        <p:spPr>
+          <a:xfrm>
+            <a:off x="7695625" y="2558080"/>
+            <a:ext cx="2839294" cy="1759562"/>
+          </a:xfrm>
+          <a:prstGeom prst="rect">
+            <a:avLst/>
+          </a:prstGeom>
+        </p:spPr>
+      </p:pic>
     </p:spTree>
     <p:extLst>
       <p:ext uri="{BB962C8B-B14F-4D97-AF65-F5344CB8AC3E}">
-        <p14:creationId xmlns:p14="http://schemas.microsoft.com/office/powerpoint/2010/main" val="482320216"/>
+        <p14:creationId xmlns:p14="http://schemas.microsoft.com/office/powerpoint/2010/main" val="1141195930"/>
       </p:ext>
     </p:extLst>
   </p:cSld>
@@ -4832,24 +5158,11 @@
           <a:p>
             <a:r>
               <a:rPr lang="en-US" dirty="0"/>
-              <a:t>We have chosen poorly </a:t>
-            </a:r>
-          </a:p>
-          <a:p>
-            <a:r>
-              <a:rPr lang="en-US" dirty="0"/>
-              <a:t>We have chosen wisely</a:t>
-            </a:r>
-          </a:p>
-          <a:p>
-            <a:r>
-              <a:rPr lang="en-US" dirty="0"/>
-              <a:t>Many of our projects don’t do well on our own </a:t>
-            </a:r>
-            <a:r>
-              <a:rPr lang="en-US"/>
-              <a:t>(ruthless) questionnaire </a:t>
-            </a:r>
+              <a:t>Many of our projects don’t do well on our own (ruthless) questionnaire </a:t>
+            </a:r>
+            <a:br>
+              <a:rPr lang="en-US" dirty="0"/>
+            </a:br>
             <a:r>
               <a:rPr lang="en-CA" u="sng" dirty="0">
                 <a:hlinkClick r:id="rId3"/>
@@ -4863,6 +5176,18 @@
               <a:t> </a:t>
             </a:r>
             <a:endParaRPr lang="en-US" dirty="0"/>
+          </a:p>
+          <a:p>
+            <a:r>
+              <a:rPr lang="en-US" dirty="0"/>
+              <a:t>We have chosen poorly </a:t>
+            </a:r>
+          </a:p>
+          <a:p>
+            <a:r>
+              <a:rPr lang="en-US" dirty="0"/>
+              <a:t>We have chosen wisely</a:t>
+            </a:r>
           </a:p>
           <a:p>
             <a:pPr marL="0" indent="0">
@@ -4988,7 +5313,7 @@
           <a:p>
             <a:r>
               <a:rPr lang="en-US" dirty="0"/>
-              <a:t>Endings project to seek truth/failure and offer lessons learned</a:t>
+              <a:t>Endings project seeks truth/failure and offers lessons learned</a:t>
             </a:r>
           </a:p>
           <a:p>
@@ -5000,11 +5325,14 @@
           <a:p>
             <a:r>
               <a:rPr lang="en-US" dirty="0"/>
-              <a:t>Be prepared to pay a price for autonomy</a:t>
-            </a:r>
-          </a:p>
-          <a:p>
-            <a:endParaRPr lang="en-US" dirty="0"/>
+              <a:t>Aim for virtually zero long-term maintenance needs</a:t>
+            </a:r>
+          </a:p>
+          <a:p>
+            <a:r>
+              <a:rPr lang="en-US" dirty="0"/>
+              <a:t>Accept short-term costs for that longevity</a:t>
+            </a:r>
           </a:p>
           <a:p>
             <a:endParaRPr lang="en-US" dirty="0"/>
@@ -5260,7 +5588,7 @@
           <a:p>
             <a:r>
               <a:rPr lang="en-US" dirty="0"/>
-              <a:t>Ruthless: XML, HTML, CSS, JavaScript</a:t>
+              <a:t>Ruthless: XML, HTML, CSS, JavaScript, media</a:t>
             </a:r>
           </a:p>
           <a:p>
@@ -5597,4 +5925,299 @@
     </a:ext>
   </a:extLst>
 </a:theme>
+</file>
+
+<file path=ppt/theme/theme2.xml><?xml version="1.0" encoding="utf-8"?>
+<a:theme xmlns:a="http://schemas.openxmlformats.org/drawingml/2006/main" name="Office Theme">
+  <a:themeElements>
+    <a:clrScheme name="Office">
+      <a:dk1>
+        <a:sysClr val="windowText" lastClr="000000"/>
+      </a:dk1>
+      <a:lt1>
+        <a:sysClr val="window" lastClr="FFFFFF"/>
+      </a:lt1>
+      <a:dk2>
+        <a:srgbClr val="44546A"/>
+      </a:dk2>
+      <a:lt2>
+        <a:srgbClr val="E7E6E6"/>
+      </a:lt2>
+      <a:accent1>
+        <a:srgbClr val="4472C4"/>
+      </a:accent1>
+      <a:accent2>
+        <a:srgbClr val="ED7D31"/>
+      </a:accent2>
+      <a:accent3>
+        <a:srgbClr val="A5A5A5"/>
+      </a:accent3>
+      <a:accent4>
+        <a:srgbClr val="FFC000"/>
+      </a:accent4>
+      <a:accent5>
+        <a:srgbClr val="5B9BD5"/>
+      </a:accent5>
+      <a:accent6>
+        <a:srgbClr val="70AD47"/>
+      </a:accent6>
+      <a:hlink>
+        <a:srgbClr val="0563C1"/>
+      </a:hlink>
+      <a:folHlink>
+        <a:srgbClr val="954F72"/>
+      </a:folHlink>
+    </a:clrScheme>
+    <a:fontScheme name="Office">
+      <a:majorFont>
+        <a:latin typeface="Calibri Light" panose="020F0302020204030204"/>
+        <a:ea typeface=""/>
+        <a:cs typeface=""/>
+        <a:font script="Jpan" typeface="游ゴシック Light"/>
+        <a:font script="Hang" typeface="맑은 고딕"/>
+        <a:font script="Hans" typeface="等线 Light"/>
+        <a:font script="Hant" typeface="新細明體"/>
+        <a:font script="Arab" typeface="Times New Roman"/>
+        <a:font script="Hebr" typeface="Times New Roman"/>
+        <a:font script="Thai" typeface="Angsana New"/>
+        <a:font script="Ethi" typeface="Nyala"/>
+        <a:font script="Beng" typeface="Vrinda"/>
+        <a:font script="Gujr" typeface="Shruti"/>
+        <a:font script="Khmr" typeface="MoolBoran"/>
+        <a:font script="Knda" typeface="Tunga"/>
+        <a:font script="Guru" typeface="Raavi"/>
+        <a:font script="Cans" typeface="Euphemia"/>
+        <a:font script="Cher" typeface="Plantagenet Cherokee"/>
+        <a:font script="Yiii" typeface="Microsoft Yi Baiti"/>
+        <a:font script="Tibt" typeface="Microsoft Himalaya"/>
+        <a:font script="Thaa" typeface="MV Boli"/>
+        <a:font script="Deva" typeface="Mangal"/>
+        <a:font script="Telu" typeface="Gautami"/>
+        <a:font script="Taml" typeface="Latha"/>
+        <a:font script="Syrc" typeface="Estrangelo Edessa"/>
+        <a:font script="Orya" typeface="Kalinga"/>
+        <a:font script="Mlym" typeface="Kartika"/>
+        <a:font script="Laoo" typeface="DokChampa"/>
+        <a:font script="Sinh" typeface="Iskoola Pota"/>
+        <a:font script="Mong" typeface="Mongolian Baiti"/>
+        <a:font script="Viet" typeface="Times New Roman"/>
+        <a:font script="Uigh" typeface="Microsoft Uighur"/>
+        <a:font script="Geor" typeface="Sylfaen"/>
+        <a:font script="Armn" typeface="Arial"/>
+        <a:font script="Bugi" typeface="Leelawadee UI"/>
+        <a:font script="Bopo" typeface="Microsoft JhengHei"/>
+        <a:font script="Java" typeface="Javanese Text"/>
+        <a:font script="Lisu" typeface="Segoe UI"/>
+        <a:font script="Mymr" typeface="Myanmar Text"/>
+        <a:font script="Nkoo" typeface="Ebrima"/>
+        <a:font script="Olck" typeface="Nirmala UI"/>
+        <a:font script="Osma" typeface="Ebrima"/>
+        <a:font script="Phag" typeface="Phagspa"/>
+        <a:font script="Syrn" typeface="Estrangelo Edessa"/>
+        <a:font script="Syrj" typeface="Estrangelo Edessa"/>
+        <a:font script="Syre" typeface="Estrangelo Edessa"/>
+        <a:font script="Sora" typeface="Nirmala UI"/>
+        <a:font script="Tale" typeface="Microsoft Tai Le"/>
+        <a:font script="Talu" typeface="Microsoft New Tai Lue"/>
+        <a:font script="Tfng" typeface="Ebrima"/>
+      </a:majorFont>
+      <a:minorFont>
+        <a:latin typeface="Calibri" panose="020F0502020204030204"/>
+        <a:ea typeface=""/>
+        <a:cs typeface=""/>
+        <a:font script="Jpan" typeface="游ゴシック"/>
+        <a:font script="Hang" typeface="맑은 고딕"/>
+        <a:font script="Hans" typeface="等线"/>
+        <a:font script="Hant" typeface="新細明體"/>
+        <a:font script="Arab" typeface="Arial"/>
+        <a:font script="Hebr" typeface="Arial"/>
+        <a:font script="Thai" typeface="Cordia New"/>
+        <a:font script="Ethi" typeface="Nyala"/>
+        <a:font script="Beng" typeface="Vrinda"/>
+        <a:font script="Gujr" typeface="Shruti"/>
+        <a:font script="Khmr" typeface="DaunPenh"/>
+        <a:font script="Knda" typeface="Tunga"/>
+        <a:font script="Guru" typeface="Raavi"/>
+        <a:font script="Cans" typeface="Euphemia"/>
+        <a:font script="Cher" typeface="Plantagenet Cherokee"/>
+        <a:font script="Yiii" typeface="Microsoft Yi Baiti"/>
+        <a:font script="Tibt" typeface="Microsoft Himalaya"/>
+        <a:font script="Thaa" typeface="MV Boli"/>
+        <a:font script="Deva" typeface="Mangal"/>
+        <a:font script="Telu" typeface="Gautami"/>
+        <a:font script="Taml" typeface="Latha"/>
+        <a:font script="Syrc" typeface="Estrangelo Edessa"/>
+        <a:font script="Orya" typeface="Kalinga"/>
+        <a:font script="Mlym" typeface="Kartika"/>
+        <a:font script="Laoo" typeface="DokChampa"/>
+        <a:font script="Sinh" typeface="Iskoola Pota"/>
+        <a:font script="Mong" typeface="Mongolian Baiti"/>
+        <a:font script="Viet" typeface="Arial"/>
+        <a:font script="Uigh" typeface="Microsoft Uighur"/>
+        <a:font script="Geor" typeface="Sylfaen"/>
+        <a:font script="Armn" typeface="Arial"/>
+        <a:font script="Bugi" typeface="Leelawadee UI"/>
+        <a:font script="Bopo" typeface="Microsoft JhengHei"/>
+        <a:font script="Java" typeface="Javanese Text"/>
+        <a:font script="Lisu" typeface="Segoe UI"/>
+        <a:font script="Mymr" typeface="Myanmar Text"/>
+        <a:font script="Nkoo" typeface="Ebrima"/>
+        <a:font script="Olck" typeface="Nirmala UI"/>
+        <a:font script="Osma" typeface="Ebrima"/>
+        <a:font script="Phag" typeface="Phagspa"/>
+        <a:font script="Syrn" typeface="Estrangelo Edessa"/>
+        <a:font script="Syrj" typeface="Estrangelo Edessa"/>
+        <a:font script="Syre" typeface="Estrangelo Edessa"/>
+        <a:font script="Sora" typeface="Nirmala UI"/>
+        <a:font script="Tale" typeface="Microsoft Tai Le"/>
+        <a:font script="Talu" typeface="Microsoft New Tai Lue"/>
+        <a:font script="Tfng" typeface="Ebrima"/>
+      </a:minorFont>
+    </a:fontScheme>
+    <a:fmtScheme name="Office">
+      <a:fillStyleLst>
+        <a:solidFill>
+          <a:schemeClr val="phClr"/>
+        </a:solidFill>
+        <a:gradFill rotWithShape="1">
+          <a:gsLst>
+            <a:gs pos="0">
+              <a:schemeClr val="phClr">
+                <a:lumMod val="110000"/>
+                <a:satMod val="105000"/>
+                <a:tint val="67000"/>
+              </a:schemeClr>
+            </a:gs>
+            <a:gs pos="50000">
+              <a:schemeClr val="phClr">
+                <a:lumMod val="105000"/>
+                <a:satMod val="103000"/>
+                <a:tint val="73000"/>
+              </a:schemeClr>
+            </a:gs>
+            <a:gs pos="100000">
+              <a:schemeClr val="phClr">
+                <a:lumMod val="105000"/>
+                <a:satMod val="109000"/>
+                <a:tint val="81000"/>
+              </a:schemeClr>
+            </a:gs>
+          </a:gsLst>
+          <a:lin ang="5400000" scaled="0"/>
+        </a:gradFill>
+        <a:gradFill rotWithShape="1">
+          <a:gsLst>
+            <a:gs pos="0">
+              <a:schemeClr val="phClr">
+                <a:satMod val="103000"/>
+                <a:lumMod val="102000"/>
+                <a:tint val="94000"/>
+              </a:schemeClr>
+            </a:gs>
+            <a:gs pos="50000">
+              <a:schemeClr val="phClr">
+                <a:satMod val="110000"/>
+                <a:lumMod val="100000"/>
+                <a:shade val="100000"/>
+              </a:schemeClr>
+            </a:gs>
+            <a:gs pos="100000">
+              <a:schemeClr val="phClr">
+                <a:lumMod val="99000"/>
+                <a:satMod val="120000"/>
+                <a:shade val="78000"/>
+              </a:schemeClr>
+            </a:gs>
+          </a:gsLst>
+          <a:lin ang="5400000" scaled="0"/>
+        </a:gradFill>
+      </a:fillStyleLst>
+      <a:lnStyleLst>
+        <a:ln w="6350" cap="flat" cmpd="sng" algn="ctr">
+          <a:solidFill>
+            <a:schemeClr val="phClr"/>
+          </a:solidFill>
+          <a:prstDash val="solid"/>
+          <a:miter lim="800000"/>
+        </a:ln>
+        <a:ln w="12700" cap="flat" cmpd="sng" algn="ctr">
+          <a:solidFill>
+            <a:schemeClr val="phClr"/>
+          </a:solidFill>
+          <a:prstDash val="solid"/>
+          <a:miter lim="800000"/>
+        </a:ln>
+        <a:ln w="19050" cap="flat" cmpd="sng" algn="ctr">
+          <a:solidFill>
+            <a:schemeClr val="phClr"/>
+          </a:solidFill>
+          <a:prstDash val="solid"/>
+          <a:miter lim="800000"/>
+        </a:ln>
+      </a:lnStyleLst>
+      <a:effectStyleLst>
+        <a:effectStyle>
+          <a:effectLst/>
+        </a:effectStyle>
+        <a:effectStyle>
+          <a:effectLst/>
+        </a:effectStyle>
+        <a:effectStyle>
+          <a:effectLst>
+            <a:outerShdw blurRad="57150" dist="19050" dir="5400000" algn="ctr" rotWithShape="0">
+              <a:srgbClr val="000000">
+                <a:alpha val="63000"/>
+              </a:srgbClr>
+            </a:outerShdw>
+          </a:effectLst>
+        </a:effectStyle>
+      </a:effectStyleLst>
+      <a:bgFillStyleLst>
+        <a:solidFill>
+          <a:schemeClr val="phClr"/>
+        </a:solidFill>
+        <a:solidFill>
+          <a:schemeClr val="phClr">
+            <a:tint val="95000"/>
+            <a:satMod val="170000"/>
+          </a:schemeClr>
+        </a:solidFill>
+        <a:gradFill rotWithShape="1">
+          <a:gsLst>
+            <a:gs pos="0">
+              <a:schemeClr val="phClr">
+                <a:tint val="93000"/>
+                <a:satMod val="150000"/>
+                <a:shade val="98000"/>
+                <a:lumMod val="102000"/>
+              </a:schemeClr>
+            </a:gs>
+            <a:gs pos="50000">
+              <a:schemeClr val="phClr">
+                <a:tint val="98000"/>
+                <a:satMod val="130000"/>
+                <a:shade val="90000"/>
+                <a:lumMod val="103000"/>
+              </a:schemeClr>
+            </a:gs>
+            <a:gs pos="100000">
+              <a:schemeClr val="phClr">
+                <a:shade val="63000"/>
+                <a:satMod val="120000"/>
+              </a:schemeClr>
+            </a:gs>
+          </a:gsLst>
+          <a:lin ang="5400000" scaled="0"/>
+        </a:gradFill>
+      </a:bgFillStyleLst>
+    </a:fmtScheme>
+  </a:themeElements>
+  <a:objectDefaults/>
+  <a:extraClrSchemeLst/>
+  <a:extLst>
+    <a:ext uri="{05A4C25C-085E-4340-85A3-A5531E510DB2}">
+      <thm15:themeFamily xmlns:thm15="http://schemas.microsoft.com/office/thememl/2012/main" name="Office Theme" id="{62F939B6-93AF-4DB8-9C6B-D6C7DFDC589F}" vid="{4A3C46E8-61CC-4603-A589-7422A47A8E4A}"/>
+    </a:ext>
+  </a:extLst>
+</a:theme>
 </file>
--- a/presentations/DH_2019/EndingsPanelPresentation.pptx
+++ b/presentations/DH_2019/EndingsPanelPresentation.pptx
@@ -4097,13 +4097,13 @@
           <a:p>
             <a:r>
               <a:rPr lang="en-US" dirty="0"/>
-              <a:t>Prioritize which features to keep or compromise in durable forms</a:t>
-            </a:r>
-          </a:p>
-          <a:p>
-            <a:r>
-              <a:rPr lang="en-US" dirty="0"/>
-              <a:t>Embrace the price for autonomy and longevity</a:t>
+              <a:t>Prioritize which features to keep or compromise in durable outputs</a:t>
+            </a:r>
+          </a:p>
+          <a:p>
+            <a:r>
+              <a:rPr lang="en-US" dirty="0"/>
+              <a:t>Embrace the costs for autonomy and longevity</a:t>
             </a:r>
           </a:p>
           <a:p>
@@ -4212,7 +4212,7 @@
           <a:p>
             <a:r>
               <a:rPr lang="en-US" dirty="0"/>
-              <a:t>Ruthless Conclusion</a:t>
+              <a:t>Conclusion</a:t>
             </a:r>
           </a:p>
         </p:txBody>
@@ -4240,10 +4240,40 @@
           <a:p>
             <a:r>
               <a:rPr lang="en-US" dirty="0"/>
-              <a:t>A ruthless ideal of your project’s future:</a:t>
-            </a:r>
-          </a:p>
-          <a:p>
+              <a:t>A ruthless ideal of your project’s outputs:</a:t>
+            </a:r>
+          </a:p>
+          <a:p>
+            <a:pPr marL="0" indent="0">
+              <a:buNone/>
+            </a:pPr>
+            <a:br>
+              <a:rPr lang="en-US" dirty="0"/>
+            </a:br>
+            <a:br>
+              <a:rPr lang="en-US" dirty="0"/>
+            </a:br>
+            <a:br>
+              <a:rPr lang="en-US" dirty="0"/>
+            </a:br>
+            <a:br>
+              <a:rPr lang="en-US" dirty="0"/>
+            </a:br>
+            <a:br>
+              <a:rPr lang="en-US" dirty="0"/>
+            </a:br>
+            <a:br>
+              <a:rPr lang="en-US" dirty="0"/>
+            </a:br>
+            <a:br>
+              <a:rPr lang="en-US" dirty="0"/>
+            </a:br>
+            <a:r>
+              <a:rPr lang="en-CA" dirty="0">
+                <a:hlinkClick r:id="rId3"/>
+              </a:rPr>
+              <a:t>https://github.com/projectEndings/Endings</a:t>
+            </a:r>
             <a:endParaRPr lang="en-US" dirty="0"/>
           </a:p>
           <a:p>
@@ -4272,14 +4302,14 @@
           <p:nvPr/>
         </p:nvPicPr>
         <p:blipFill>
-          <a:blip r:embed="rId3"/>
+          <a:blip r:embed="rId4"/>
           <a:stretch>
             <a:fillRect/>
           </a:stretch>
         </p:blipFill>
         <p:spPr>
           <a:xfrm>
-            <a:off x="4406900" y="3105150"/>
+            <a:off x="2307643" y="3105150"/>
             <a:ext cx="3378200" cy="647700"/>
           </a:xfrm>
           <a:prstGeom prst="rect">
@@ -4731,12 +4761,8 @@
               <a:buNone/>
             </a:pPr>
             <a:r>
-              <a:rPr lang="en-US"/>
-              <a:t>       Team Scope                       Library                            </a:t>
-            </a:r>
-            <a:r>
-              <a:rPr lang="en-US" dirty="0"/>
-              <a:t>Sys-admin</a:t>
+              <a:rPr lang="en-US" dirty="0"/>
+              <a:t>       Team Scope                       Library                              Systems</a:t>
             </a:r>
           </a:p>
           <a:p>
@@ -4767,11 +4793,11 @@
             </a:r>
             <a:r>
               <a:rPr lang="en-US" dirty="0" err="1"/>
-              <a:t>UVic</a:t>
-            </a:r>
-            <a:r>
-              <a:rPr lang="en-US" dirty="0"/>
-              <a:t> 1/10 KCL           modest to Stanford      secure? ask Rosenzweig</a:t>
+              <a:t>Uvic</a:t>
+            </a:r>
+            <a:r>
+              <a:rPr lang="en-US" dirty="0"/>
+              <a:t> is 1/10 KCL        modest to Stanford      secure? ask Rosenzweig</a:t>
             </a:r>
           </a:p>
           <a:p>
@@ -4990,42 +5016,42 @@
           <a:p>
             <a:r>
               <a:rPr lang="en-US" dirty="0"/>
-              <a:t>Survey and interviews reveal range of possible risks:</a:t>
+              <a:t>Endings project survey and interviews reveal:</a:t>
             </a:r>
           </a:p>
           <a:p>
             <a:pPr lvl="1"/>
             <a:r>
               <a:rPr lang="en-US" dirty="0"/>
-              <a:t>Technical / Security of your stuff</a:t>
+              <a:t>Technical / security problems with your stuff</a:t>
             </a:r>
           </a:p>
           <a:p>
             <a:pPr lvl="1"/>
             <a:r>
               <a:rPr lang="en-US" dirty="0"/>
-              <a:t>Technical / Security of technology you depend on</a:t>
+              <a:t>Technical / security problems with stuff your stuff depends on</a:t>
             </a:r>
           </a:p>
           <a:p>
             <a:pPr lvl="1"/>
             <a:r>
               <a:rPr lang="en-US" dirty="0"/>
-              <a:t>Administrative / Institutional Support</a:t>
+              <a:t>Administrative / institutional support fails</a:t>
             </a:r>
           </a:p>
           <a:p>
             <a:pPr lvl="1"/>
             <a:r>
               <a:rPr lang="en-US" dirty="0"/>
-              <a:t>Key Personnel</a:t>
+              <a:t>Key personnel or skills lost</a:t>
             </a:r>
           </a:p>
           <a:p>
             <a:pPr lvl="1"/>
             <a:r>
               <a:rPr lang="en-US" dirty="0"/>
-              <a:t>Financial</a:t>
+              <a:t>Financial issues</a:t>
             </a:r>
           </a:p>
           <a:p>
@@ -5158,7 +5184,19 @@
           <a:p>
             <a:r>
               <a:rPr lang="en-US" dirty="0"/>
-              <a:t>Many of our projects don’t do well on our own (ruthless) questionnaire </a:t>
+              <a:t>We have chosen poorly </a:t>
+            </a:r>
+          </a:p>
+          <a:p>
+            <a:r>
+              <a:rPr lang="en-US" dirty="0"/>
+              <a:t>We have chosen wisely</a:t>
+            </a:r>
+          </a:p>
+          <a:p>
+            <a:r>
+              <a:rPr lang="en-US" dirty="0"/>
+              <a:t>Endings project’s ruthless questionnaire </a:t>
             </a:r>
             <a:br>
               <a:rPr lang="en-US" dirty="0"/>
@@ -5180,13 +5218,7 @@
           <a:p>
             <a:r>
               <a:rPr lang="en-US" dirty="0"/>
-              <a:t>We have chosen poorly </a:t>
-            </a:r>
-          </a:p>
-          <a:p>
-            <a:r>
-              <a:rPr lang="en-US" dirty="0"/>
-              <a:t>We have chosen wisely</a:t>
+              <a:t>Many of our own projects don’t do well </a:t>
             </a:r>
           </a:p>
           <a:p>
@@ -5313,7 +5345,7 @@
           <a:p>
             <a:r>
               <a:rPr lang="en-US" dirty="0"/>
-              <a:t>Endings project seeks truth/failure and offers lessons learned</a:t>
+              <a:t>Endings project sought failure and promises lessons learned</a:t>
             </a:r>
           </a:p>
           <a:p>
@@ -5331,7 +5363,7 @@
           <a:p>
             <a:r>
               <a:rPr lang="en-US" dirty="0"/>
-              <a:t>Accept short-term costs for that longevity</a:t>
+              <a:t>Accept short-term implications for that longevity</a:t>
             </a:r>
           </a:p>
           <a:p>
@@ -5588,19 +5620,19 @@
           <a:p>
             <a:r>
               <a:rPr lang="en-US" dirty="0"/>
-              <a:t>Ruthless: XML, HTML, CSS, JavaScript, media</a:t>
-            </a:r>
-          </a:p>
-          <a:p>
-            <a:r>
-              <a:rPr lang="en-US" dirty="0"/>
-              <a:t>Not ruthless: DB, server-side scripts, 3rd party libraries</a:t>
-            </a:r>
-          </a:p>
-          <a:p>
-            <a:r>
-              <a:rPr lang="en-US" dirty="0"/>
-              <a:t>Concessions: complex search, map </a:t>
+              <a:t>Ruthless: Valid HTML, Cascading Style Sheets, JavaScript</a:t>
+            </a:r>
+          </a:p>
+          <a:p>
+            <a:r>
+              <a:rPr lang="en-US" dirty="0"/>
+              <a:t>Not ruthless: database, server-side scripts, black-box libraries</a:t>
+            </a:r>
+          </a:p>
+          <a:p>
+            <a:r>
+              <a:rPr lang="en-US" dirty="0"/>
+              <a:t>Concessions: e.g. complex search, map </a:t>
             </a:r>
             <a:r>
               <a:rPr lang="en-US" dirty="0" err="1"/>
